--- a/presentation.pptx
+++ b/presentation.pptx
@@ -10,10 +10,13 @@
     <p:sldId id="258" r:id="rId4"/>
     <p:sldId id="259" r:id="rId5"/>
     <p:sldId id="260" r:id="rId6"/>
-    <p:sldId id="261" r:id="rId7"/>
-    <p:sldId id="264" r:id="rId8"/>
-    <p:sldId id="263" r:id="rId9"/>
-    <p:sldId id="262" r:id="rId10"/>
+    <p:sldId id="266" r:id="rId7"/>
+    <p:sldId id="261" r:id="rId8"/>
+    <p:sldId id="264" r:id="rId9"/>
+    <p:sldId id="263" r:id="rId10"/>
+    <p:sldId id="265" r:id="rId11"/>
+    <p:sldId id="262" r:id="rId12"/>
+    <p:sldId id="267" r:id="rId13"/>
   </p:sldIdLst>
   <p:sldSz cx="9144000" cy="6858000" type="screen4x3"/>
   <p:notesSz cx="6858000" cy="9144000"/>
@@ -256,11 +259,11 @@
         </c:dLbls>
         <c:marker val="1"/>
         <c:smooth val="0"/>
-        <c:axId val="2041031704"/>
-        <c:axId val="2130635192"/>
+        <c:axId val="2070027048"/>
+        <c:axId val="2043043992"/>
       </c:lineChart>
       <c:catAx>
-        <c:axId val="2041031704"/>
+        <c:axId val="2070027048"/>
         <c:scaling>
           <c:orientation val="minMax"/>
         </c:scaling>
@@ -269,7 +272,7 @@
         <c:majorTickMark val="out"/>
         <c:minorTickMark val="none"/>
         <c:tickLblPos val="nextTo"/>
-        <c:crossAx val="2130635192"/>
+        <c:crossAx val="2043043992"/>
         <c:crosses val="autoZero"/>
         <c:auto val="1"/>
         <c:lblAlgn val="ctr"/>
@@ -277,7 +280,7 @@
         <c:noMultiLvlLbl val="0"/>
       </c:catAx>
       <c:valAx>
-        <c:axId val="2130635192"/>
+        <c:axId val="2043043992"/>
         <c:scaling>
           <c:orientation val="minMax"/>
         </c:scaling>
@@ -288,7 +291,7 @@
         <c:majorTickMark val="out"/>
         <c:minorTickMark val="none"/>
         <c:tickLblPos val="nextTo"/>
-        <c:crossAx val="2041031704"/>
+        <c:crossAx val="2070027048"/>
         <c:crosses val="autoZero"/>
         <c:crossBetween val="between"/>
       </c:valAx>
@@ -449,11 +452,11 @@
         </c:dLbls>
         <c:marker val="1"/>
         <c:smooth val="0"/>
-        <c:axId val="2129194584"/>
-        <c:axId val="2133027784"/>
+        <c:axId val="2087142920"/>
+        <c:axId val="2069386440"/>
       </c:lineChart>
       <c:catAx>
-        <c:axId val="2129194584"/>
+        <c:axId val="2087142920"/>
         <c:scaling>
           <c:orientation val="minMax"/>
         </c:scaling>
@@ -462,7 +465,7 @@
         <c:majorTickMark val="out"/>
         <c:minorTickMark val="none"/>
         <c:tickLblPos val="nextTo"/>
-        <c:crossAx val="2133027784"/>
+        <c:crossAx val="2069386440"/>
         <c:crosses val="autoZero"/>
         <c:auto val="1"/>
         <c:lblAlgn val="ctr"/>
@@ -470,7 +473,7 @@
         <c:noMultiLvlLbl val="0"/>
       </c:catAx>
       <c:valAx>
-        <c:axId val="2133027784"/>
+        <c:axId val="2069386440"/>
         <c:scaling>
           <c:orientation val="minMax"/>
           <c:max val="3000.0"/>
@@ -482,7 +485,7 @@
         <c:majorTickMark val="out"/>
         <c:minorTickMark val="none"/>
         <c:tickLblPos val="nextTo"/>
-        <c:crossAx val="2129194584"/>
+        <c:crossAx val="2087142920"/>
         <c:crosses val="autoZero"/>
         <c:crossBetween val="between"/>
       </c:valAx>
@@ -643,11 +646,11 @@
         </c:dLbls>
         <c:marker val="1"/>
         <c:smooth val="0"/>
-        <c:axId val="2133241800"/>
-        <c:axId val="2128966360"/>
+        <c:axId val="2133717480"/>
+        <c:axId val="2133720456"/>
       </c:lineChart>
       <c:catAx>
-        <c:axId val="2133241800"/>
+        <c:axId val="2133717480"/>
         <c:scaling>
           <c:orientation val="minMax"/>
         </c:scaling>
@@ -656,7 +659,7 @@
         <c:majorTickMark val="out"/>
         <c:minorTickMark val="none"/>
         <c:tickLblPos val="nextTo"/>
-        <c:crossAx val="2128966360"/>
+        <c:crossAx val="2133720456"/>
         <c:crosses val="autoZero"/>
         <c:auto val="1"/>
         <c:lblAlgn val="ctr"/>
@@ -664,7 +667,7 @@
         <c:noMultiLvlLbl val="0"/>
       </c:catAx>
       <c:valAx>
-        <c:axId val="2128966360"/>
+        <c:axId val="2133720456"/>
         <c:scaling>
           <c:orientation val="minMax"/>
         </c:scaling>
@@ -675,7 +678,7 @@
         <c:majorTickMark val="out"/>
         <c:minorTickMark val="none"/>
         <c:tickLblPos val="nextTo"/>
-        <c:crossAx val="2133241800"/>
+        <c:crossAx val="2133717480"/>
         <c:crosses val="autoZero"/>
         <c:crossBetween val="between"/>
       </c:valAx>
@@ -836,11 +839,11 @@
         </c:dLbls>
         <c:marker val="1"/>
         <c:smooth val="0"/>
-        <c:axId val="2135283608"/>
-        <c:axId val="2135298728"/>
+        <c:axId val="2133578840"/>
+        <c:axId val="2070816104"/>
       </c:lineChart>
       <c:catAx>
-        <c:axId val="2135283608"/>
+        <c:axId val="2133578840"/>
         <c:scaling>
           <c:orientation val="minMax"/>
         </c:scaling>
@@ -849,7 +852,7 @@
         <c:majorTickMark val="out"/>
         <c:minorTickMark val="none"/>
         <c:tickLblPos val="nextTo"/>
-        <c:crossAx val="2135298728"/>
+        <c:crossAx val="2070816104"/>
         <c:crosses val="autoZero"/>
         <c:auto val="1"/>
         <c:lblAlgn val="ctr"/>
@@ -857,7 +860,7 @@
         <c:noMultiLvlLbl val="0"/>
       </c:catAx>
       <c:valAx>
-        <c:axId val="2135298728"/>
+        <c:axId val="2070816104"/>
         <c:scaling>
           <c:orientation val="minMax"/>
           <c:max val="4000.0"/>
@@ -869,7 +872,7 @@
         <c:majorTickMark val="out"/>
         <c:minorTickMark val="none"/>
         <c:tickLblPos val="nextTo"/>
-        <c:crossAx val="2135283608"/>
+        <c:crossAx val="2133578840"/>
         <c:crosses val="autoZero"/>
         <c:crossBetween val="between"/>
       </c:valAx>
@@ -1070,7 +1073,7 @@
           <a:p>
             <a:fld id="{2427B80D-9222-F348-B27D-22E48AAE5107}" type="datetimeFigureOut">
               <a:rPr kumimoji="1" lang="ja-JP" altLang="en-US" smtClean="0"/>
-              <a:t>2014/03/17</a:t>
+              <a:t>2014/03/19</a:t>
             </a:fld>
             <a:endParaRPr kumimoji="1" lang="ja-JP" altLang="en-US"/>
           </a:p>
@@ -1272,7 +1275,7 @@
           <a:p>
             <a:fld id="{2427B80D-9222-F348-B27D-22E48AAE5107}" type="datetimeFigureOut">
               <a:rPr kumimoji="1" lang="ja-JP" altLang="en-US" smtClean="0"/>
-              <a:t>2014/03/17</a:t>
+              <a:t>2014/03/19</a:t>
             </a:fld>
             <a:endParaRPr kumimoji="1" lang="ja-JP" altLang="en-US"/>
           </a:p>
@@ -1484,7 +1487,7 @@
           <a:p>
             <a:fld id="{2427B80D-9222-F348-B27D-22E48AAE5107}" type="datetimeFigureOut">
               <a:rPr kumimoji="1" lang="ja-JP" altLang="en-US" smtClean="0"/>
-              <a:t>2014/03/17</a:t>
+              <a:t>2014/03/19</a:t>
             </a:fld>
             <a:endParaRPr kumimoji="1" lang="ja-JP" altLang="en-US"/>
           </a:p>
@@ -1686,7 +1689,7 @@
           <a:p>
             <a:fld id="{2427B80D-9222-F348-B27D-22E48AAE5107}" type="datetimeFigureOut">
               <a:rPr kumimoji="1" lang="ja-JP" altLang="en-US" smtClean="0"/>
-              <a:t>2014/03/17</a:t>
+              <a:t>2014/03/19</a:t>
             </a:fld>
             <a:endParaRPr kumimoji="1" lang="ja-JP" altLang="en-US"/>
           </a:p>
@@ -1932,7 +1935,7 @@
           <a:p>
             <a:fld id="{2427B80D-9222-F348-B27D-22E48AAE5107}" type="datetimeFigureOut">
               <a:rPr kumimoji="1" lang="ja-JP" altLang="en-US" smtClean="0"/>
-              <a:t>2014/03/17</a:t>
+              <a:t>2014/03/19</a:t>
             </a:fld>
             <a:endParaRPr kumimoji="1" lang="ja-JP" altLang="en-US"/>
           </a:p>
@@ -2284,7 +2287,7 @@
           <a:p>
             <a:fld id="{2427B80D-9222-F348-B27D-22E48AAE5107}" type="datetimeFigureOut">
               <a:rPr kumimoji="1" lang="ja-JP" altLang="en-US" smtClean="0"/>
-              <a:t>2014/03/17</a:t>
+              <a:t>2014/03/19</a:t>
             </a:fld>
             <a:endParaRPr kumimoji="1" lang="ja-JP" altLang="en-US"/>
           </a:p>
@@ -2770,7 +2773,7 @@
           <a:p>
             <a:fld id="{2427B80D-9222-F348-B27D-22E48AAE5107}" type="datetimeFigureOut">
               <a:rPr kumimoji="1" lang="ja-JP" altLang="en-US" smtClean="0"/>
-              <a:t>2014/03/17</a:t>
+              <a:t>2014/03/19</a:t>
             </a:fld>
             <a:endParaRPr kumimoji="1" lang="ja-JP" altLang="en-US"/>
           </a:p>
@@ -2888,7 +2891,7 @@
           <a:p>
             <a:fld id="{2427B80D-9222-F348-B27D-22E48AAE5107}" type="datetimeFigureOut">
               <a:rPr kumimoji="1" lang="ja-JP" altLang="en-US" smtClean="0"/>
-              <a:t>2014/03/17</a:t>
+              <a:t>2014/03/19</a:t>
             </a:fld>
             <a:endParaRPr kumimoji="1" lang="ja-JP" altLang="en-US"/>
           </a:p>
@@ -2983,7 +2986,7 @@
           <a:p>
             <a:fld id="{2427B80D-9222-F348-B27D-22E48AAE5107}" type="datetimeFigureOut">
               <a:rPr kumimoji="1" lang="ja-JP" altLang="en-US" smtClean="0"/>
-              <a:t>2014/03/17</a:t>
+              <a:t>2014/03/19</a:t>
             </a:fld>
             <a:endParaRPr kumimoji="1" lang="ja-JP" altLang="en-US"/>
           </a:p>
@@ -3292,7 +3295,7 @@
           <a:p>
             <a:fld id="{2427B80D-9222-F348-B27D-22E48AAE5107}" type="datetimeFigureOut">
               <a:rPr kumimoji="1" lang="ja-JP" altLang="en-US" smtClean="0"/>
-              <a:t>2014/03/17</a:t>
+              <a:t>2014/03/19</a:t>
             </a:fld>
             <a:endParaRPr kumimoji="1" lang="ja-JP" altLang="en-US"/>
           </a:p>
@@ -3545,7 +3548,7 @@
           <a:p>
             <a:fld id="{2427B80D-9222-F348-B27D-22E48AAE5107}" type="datetimeFigureOut">
               <a:rPr kumimoji="1" lang="ja-JP" altLang="en-US" smtClean="0"/>
-              <a:t>2014/03/17</a:t>
+              <a:t>2014/03/19</a:t>
             </a:fld>
             <a:endParaRPr kumimoji="1" lang="ja-JP" altLang="en-US"/>
           </a:p>
@@ -3790,7 +3793,7 @@
           <a:p>
             <a:fld id="{2427B80D-9222-F348-B27D-22E48AAE5107}" type="datetimeFigureOut">
               <a:rPr kumimoji="1" lang="ja-JP" altLang="en-US" smtClean="0"/>
-              <a:t>2014/03/17</a:t>
+              <a:t>2014/03/19</a:t>
             </a:fld>
             <a:endParaRPr kumimoji="1" lang="ja-JP" altLang="en-US"/>
           </a:p>
@@ -4236,6 +4239,580 @@
 </p:sld>
 </file>
 
+<file path=ppt/slides/slide10.xml><?xml version="1.0" encoding="utf-8"?>
+<p:sld xmlns:a="http://schemas.openxmlformats.org/drawingml/2006/main" xmlns:r="http://schemas.openxmlformats.org/officeDocument/2006/relationships" xmlns:p="http://schemas.openxmlformats.org/presentationml/2006/main">
+  <p:cSld>
+    <p:spTree>
+      <p:nvGrpSpPr>
+        <p:cNvPr id="1" name=""/>
+        <p:cNvGrpSpPr/>
+        <p:nvPr/>
+      </p:nvGrpSpPr>
+      <p:grpSpPr>
+        <a:xfrm>
+          <a:off x="0" y="0"/>
+          <a:ext cx="0" cy="0"/>
+          <a:chOff x="0" y="0"/>
+          <a:chExt cx="0" cy="0"/>
+        </a:xfrm>
+      </p:grpSpPr>
+      <p:sp>
+        <p:nvSpPr>
+          <p:cNvPr id="2" name="タイトル 1"/>
+          <p:cNvSpPr>
+            <a:spLocks noGrp="1"/>
+          </p:cNvSpPr>
+          <p:nvPr>
+            <p:ph type="title"/>
+          </p:nvPr>
+        </p:nvSpPr>
+        <p:spPr/>
+        <p:txBody>
+          <a:bodyPr/>
+          <a:lstStyle/>
+          <a:p>
+            <a:pPr algn="l"/>
+            <a:r>
+              <a:rPr kumimoji="1" lang="en-US" altLang="ja-JP" dirty="0" smtClean="0"/>
+              <a:t>BEGIN-COMMIT</a:t>
+            </a:r>
+            <a:r>
+              <a:rPr kumimoji="1" lang="ja-JP" altLang="en-US" dirty="0" smtClean="0"/>
+              <a:t>例</a:t>
+            </a:r>
+            <a:endParaRPr kumimoji="1" lang="ja-JP" altLang="en-US" dirty="0"/>
+          </a:p>
+        </p:txBody>
+      </p:sp>
+      <p:sp>
+        <p:nvSpPr>
+          <p:cNvPr id="3" name="コンテンツ プレースホルダー 2"/>
+          <p:cNvSpPr>
+            <a:spLocks noGrp="1"/>
+          </p:cNvSpPr>
+          <p:nvPr>
+            <p:ph idx="1"/>
+          </p:nvPr>
+        </p:nvSpPr>
+        <p:spPr/>
+        <p:txBody>
+          <a:bodyPr>
+            <a:normAutofit/>
+          </a:bodyPr>
+          <a:lstStyle/>
+          <a:p>
+            <a:pPr marL="0" indent="0">
+              <a:buNone/>
+            </a:pPr>
+            <a:endParaRPr lang="en-US" altLang="ja-JP" sz="2000" dirty="0"/>
+          </a:p>
+          <a:p>
+            <a:pPr marL="0" indent="0">
+              <a:buNone/>
+            </a:pPr>
+            <a:r>
+              <a:rPr lang="en-US" altLang="ja-JP" sz="2000" dirty="0">
+                <a:solidFill>
+                  <a:srgbClr val="FF0000"/>
+                </a:solidFill>
+              </a:rPr>
+              <a:t>    </a:t>
+            </a:r>
+            <a:r>
+              <a:rPr lang="en-US" altLang="ja-JP" sz="2000" dirty="0" err="1">
+                <a:solidFill>
+                  <a:srgbClr val="FF0000"/>
+                </a:solidFill>
+              </a:rPr>
+              <a:t>db.execute</a:t>
+            </a:r>
+            <a:r>
+              <a:rPr lang="en-US" altLang="ja-JP" sz="2000" dirty="0">
+                <a:solidFill>
+                  <a:srgbClr val="FF0000"/>
+                </a:solidFill>
+              </a:rPr>
+              <a:t>('BEGIN');</a:t>
+            </a:r>
+          </a:p>
+          <a:p>
+            <a:pPr marL="0" indent="0">
+              <a:buNone/>
+            </a:pPr>
+            <a:r>
+              <a:rPr lang="en-US" altLang="ja-JP" sz="2000" dirty="0"/>
+              <a:t>    for (</a:t>
+            </a:r>
+            <a:r>
+              <a:rPr lang="en-US" altLang="ja-JP" sz="2000" dirty="0" err="1"/>
+              <a:t>var</a:t>
+            </a:r>
+            <a:r>
+              <a:rPr lang="en-US" altLang="ja-JP" sz="2000" dirty="0"/>
+              <a:t> </a:t>
+            </a:r>
+            <a:r>
+              <a:rPr lang="en-US" altLang="ja-JP" sz="2000" dirty="0" err="1"/>
+              <a:t>i</a:t>
+            </a:r>
+            <a:r>
+              <a:rPr lang="en-US" altLang="ja-JP" sz="2000" dirty="0"/>
+              <a:t> = 0 ; </a:t>
+            </a:r>
+            <a:r>
+              <a:rPr lang="en-US" altLang="ja-JP" sz="2000" dirty="0" err="1"/>
+              <a:t>i</a:t>
+            </a:r>
+            <a:r>
+              <a:rPr lang="en-US" altLang="ja-JP" sz="2000" dirty="0"/>
+              <a:t> &lt; number ; </a:t>
+            </a:r>
+            <a:r>
+              <a:rPr lang="en-US" altLang="ja-JP" sz="2000" dirty="0" err="1"/>
+              <a:t>i</a:t>
+            </a:r>
+            <a:r>
+              <a:rPr lang="en-US" altLang="ja-JP" sz="2000" dirty="0"/>
+              <a:t> ++){</a:t>
+            </a:r>
+          </a:p>
+          <a:p>
+            <a:pPr marL="0" indent="0">
+              <a:buNone/>
+            </a:pPr>
+            <a:r>
+              <a:rPr lang="en-US" altLang="ja-JP" sz="2000" dirty="0"/>
+              <a:t>        </a:t>
+            </a:r>
+            <a:r>
+              <a:rPr lang="en-US" altLang="ja-JP" sz="2000" dirty="0" err="1"/>
+              <a:t>db.execute</a:t>
+            </a:r>
+            <a:r>
+              <a:rPr lang="en-US" altLang="ja-JP" sz="2000" dirty="0"/>
+              <a:t>('INSERT INTO </a:t>
+            </a:r>
+            <a:r>
+              <a:rPr lang="en-US" altLang="ja-JP" sz="2000" dirty="0" err="1"/>
+              <a:t>DATABASETEST</a:t>
+            </a:r>
+            <a:r>
+              <a:rPr lang="en-US" altLang="ja-JP" sz="2000" dirty="0"/>
+              <a:t> (ID, VALUE) </a:t>
+            </a:r>
+            <a:r>
+              <a:rPr lang="en-US" altLang="ja-JP" sz="2000" dirty="0" smtClean="0"/>
+              <a:t>  VALUES</a:t>
+            </a:r>
+            <a:r>
+              <a:rPr lang="en-US" altLang="ja-JP" sz="2000" dirty="0"/>
+              <a:t>(?,?)',</a:t>
+            </a:r>
+          </a:p>
+          <a:p>
+            <a:pPr marL="0" indent="0">
+              <a:buNone/>
+            </a:pPr>
+            <a:r>
+              <a:rPr lang="en-US" altLang="ja-JP" sz="2000" dirty="0"/>
+              <a:t>            </a:t>
+            </a:r>
+            <a:r>
+              <a:rPr lang="en-US" altLang="ja-JP" sz="2000" dirty="0" err="1"/>
+              <a:t>i</a:t>
+            </a:r>
+            <a:r>
+              <a:rPr lang="en-US" altLang="ja-JP" sz="2000" dirty="0"/>
+              <a:t>,</a:t>
+            </a:r>
+          </a:p>
+          <a:p>
+            <a:pPr marL="0" indent="0">
+              <a:buNone/>
+            </a:pPr>
+            <a:r>
+              <a:rPr lang="en-US" altLang="ja-JP" sz="2000" dirty="0"/>
+              <a:t>            require('/lib/</a:t>
+            </a:r>
+            <a:r>
+              <a:rPr lang="en-US" altLang="ja-JP" sz="2000" dirty="0" err="1"/>
+              <a:t>intRandom</a:t>
+            </a:r>
+            <a:r>
+              <a:rPr lang="en-US" altLang="ja-JP" sz="2000" dirty="0"/>
+              <a:t>').</a:t>
+            </a:r>
+            <a:r>
+              <a:rPr lang="en-US" altLang="ja-JP" sz="2000" dirty="0" err="1"/>
+              <a:t>createIntRandom</a:t>
+            </a:r>
+            <a:r>
+              <a:rPr lang="en-US" altLang="ja-JP" sz="2000" dirty="0"/>
+              <a:t>(number)</a:t>
+            </a:r>
+          </a:p>
+          <a:p>
+            <a:pPr marL="0" indent="0">
+              <a:buNone/>
+            </a:pPr>
+            <a:r>
+              <a:rPr lang="en-US" altLang="ja-JP" sz="2000" dirty="0"/>
+              <a:t>        );</a:t>
+            </a:r>
+          </a:p>
+          <a:p>
+            <a:pPr marL="0" indent="0">
+              <a:buNone/>
+            </a:pPr>
+            <a:r>
+              <a:rPr lang="en-US" altLang="ja-JP" sz="2000" dirty="0"/>
+              <a:t>    }</a:t>
+            </a:r>
+          </a:p>
+          <a:p>
+            <a:pPr marL="0" indent="0">
+              <a:buNone/>
+            </a:pPr>
+            <a:r>
+              <a:rPr lang="en-US" altLang="ja-JP" sz="2000" dirty="0">
+                <a:solidFill>
+                  <a:srgbClr val="FF0000"/>
+                </a:solidFill>
+              </a:rPr>
+              <a:t>    </a:t>
+            </a:r>
+            <a:r>
+              <a:rPr lang="en-US" altLang="ja-JP" sz="2000" dirty="0" err="1">
+                <a:solidFill>
+                  <a:srgbClr val="FF0000"/>
+                </a:solidFill>
+              </a:rPr>
+              <a:t>db.execute</a:t>
+            </a:r>
+            <a:r>
+              <a:rPr lang="en-US" altLang="ja-JP" sz="2000" dirty="0">
+                <a:solidFill>
+                  <a:srgbClr val="FF0000"/>
+                </a:solidFill>
+              </a:rPr>
+              <a:t>('COMMIT');</a:t>
+            </a:r>
+          </a:p>
+          <a:p>
+            <a:pPr marL="0" indent="0">
+              <a:buNone/>
+            </a:pPr>
+            <a:r>
+              <a:rPr lang="en-US" altLang="ja-JP" sz="2000" dirty="0"/>
+              <a:t>    </a:t>
+            </a:r>
+            <a:r>
+              <a:rPr lang="en-US" altLang="ja-JP" sz="2000" dirty="0" err="1"/>
+              <a:t>db.close</a:t>
+            </a:r>
+            <a:r>
+              <a:rPr lang="en-US" altLang="ja-JP" sz="2000" dirty="0"/>
+              <a:t>();</a:t>
+            </a:r>
+            <a:endParaRPr kumimoji="1" lang="ja-JP" altLang="en-US" sz="2000" dirty="0"/>
+          </a:p>
+        </p:txBody>
+      </p:sp>
+    </p:spTree>
+    <p:extLst>
+      <p:ext uri="{BB962C8B-B14F-4D97-AF65-F5344CB8AC3E}">
+        <p14:creationId xmlns:p14="http://schemas.microsoft.com/office/powerpoint/2010/main" val="2152558142"/>
+      </p:ext>
+    </p:extLst>
+  </p:cSld>
+  <p:clrMapOvr>
+    <a:masterClrMapping/>
+  </p:clrMapOvr>
+</p:sld>
+</file>
+
+<file path=ppt/slides/slide11.xml><?xml version="1.0" encoding="utf-8"?>
+<p:sld xmlns:a="http://schemas.openxmlformats.org/drawingml/2006/main" xmlns:r="http://schemas.openxmlformats.org/officeDocument/2006/relationships" xmlns:p="http://schemas.openxmlformats.org/presentationml/2006/main">
+  <p:cSld>
+    <p:spTree>
+      <p:nvGrpSpPr>
+        <p:cNvPr id="1" name=""/>
+        <p:cNvGrpSpPr/>
+        <p:nvPr/>
+      </p:nvGrpSpPr>
+      <p:grpSpPr>
+        <a:xfrm>
+          <a:off x="0" y="0"/>
+          <a:ext cx="0" cy="0"/>
+          <a:chOff x="0" y="0"/>
+          <a:chExt cx="0" cy="0"/>
+        </a:xfrm>
+      </p:grpSpPr>
+      <p:sp>
+        <p:nvSpPr>
+          <p:cNvPr id="2" name="タイトル 1"/>
+          <p:cNvSpPr>
+            <a:spLocks noGrp="1"/>
+          </p:cNvSpPr>
+          <p:nvPr>
+            <p:ph type="title"/>
+          </p:nvPr>
+        </p:nvSpPr>
+        <p:spPr/>
+        <p:txBody>
+          <a:bodyPr/>
+          <a:lstStyle/>
+          <a:p>
+            <a:pPr algn="l"/>
+            <a:r>
+              <a:rPr kumimoji="1" lang="ja-JP" altLang="en-US" dirty="0" smtClean="0"/>
+              <a:t>それぞれ使い分けの指針</a:t>
+            </a:r>
+            <a:endParaRPr kumimoji="1" lang="ja-JP" altLang="en-US" dirty="0"/>
+          </a:p>
+        </p:txBody>
+      </p:sp>
+      <p:sp>
+        <p:nvSpPr>
+          <p:cNvPr id="3" name="コンテンツ プレースホルダー 2"/>
+          <p:cNvSpPr>
+            <a:spLocks noGrp="1"/>
+          </p:cNvSpPr>
+          <p:nvPr>
+            <p:ph idx="1"/>
+          </p:nvPr>
+        </p:nvSpPr>
+        <p:spPr/>
+        <p:txBody>
+          <a:bodyPr>
+            <a:normAutofit fontScale="92500" lnSpcReduction="10000"/>
+          </a:bodyPr>
+          <a:lstStyle/>
+          <a:p>
+            <a:r>
+              <a:rPr lang="en-US" altLang="ja-JP" dirty="0" smtClean="0"/>
+              <a:t>SQLite</a:t>
+            </a:r>
+          </a:p>
+          <a:p>
+            <a:pPr marL="457200" lvl="1" indent="0">
+              <a:buNone/>
+            </a:pPr>
+            <a:r>
+              <a:rPr lang="ja-JP" altLang="en-US" dirty="0" smtClean="0"/>
+              <a:t>特別な理由がなければ、おすすめ。データの永続化などを考える必要がなく、お手軽でソートが爆速</a:t>
+            </a:r>
+            <a:endParaRPr lang="en-US" altLang="ja-JP" dirty="0" smtClean="0"/>
+          </a:p>
+          <a:p>
+            <a:r>
+              <a:rPr lang="en-US" altLang="ja-JP" dirty="0" err="1" smtClean="0"/>
+              <a:t>jsrel</a:t>
+            </a:r>
+            <a:endParaRPr lang="en-US" altLang="ja-JP" dirty="0" smtClean="0"/>
+          </a:p>
+          <a:p>
+            <a:pPr marL="457200" lvl="1" indent="0">
+              <a:buNone/>
+            </a:pPr>
+            <a:r>
+              <a:rPr lang="en-US" altLang="ja-JP" dirty="0" smtClean="0"/>
+              <a:t>SQL</a:t>
+            </a:r>
+            <a:r>
+              <a:rPr lang="ja-JP" altLang="en-US" dirty="0" smtClean="0"/>
+              <a:t>的処理を</a:t>
+            </a:r>
+            <a:r>
+              <a:rPr lang="en-US" altLang="ja-JP" dirty="0" err="1" smtClean="0"/>
+              <a:t>JS</a:t>
+            </a:r>
+            <a:r>
+              <a:rPr lang="ja-JP" altLang="en-US" dirty="0" smtClean="0"/>
+              <a:t>との親和性高く実行出来る。また、</a:t>
+            </a:r>
+            <a:r>
+              <a:rPr lang="en-US" altLang="ja-JP" dirty="0" err="1" smtClean="0"/>
+              <a:t>toSQL</a:t>
+            </a:r>
+            <a:r>
+              <a:rPr lang="en-US" altLang="ja-JP" dirty="0" smtClean="0"/>
+              <a:t>()</a:t>
+            </a:r>
+            <a:r>
+              <a:rPr lang="ja-JP" altLang="en-US" dirty="0" smtClean="0"/>
+              <a:t>でデータを</a:t>
+            </a:r>
+            <a:r>
+              <a:rPr lang="en-US" altLang="ja-JP" dirty="0" smtClean="0"/>
+              <a:t>SQL</a:t>
+            </a:r>
+            <a:r>
+              <a:rPr lang="ja-JP" altLang="en-US" dirty="0" smtClean="0"/>
+              <a:t>出力出来る。しかし、初心者向きではない</a:t>
+            </a:r>
+            <a:endParaRPr kumimoji="1" lang="en-US" altLang="ja-JP" dirty="0"/>
+          </a:p>
+          <a:p>
+            <a:r>
+              <a:rPr lang="en-US" altLang="ja-JP" dirty="0" err="1" smtClean="0"/>
+              <a:t>taffyDB</a:t>
+            </a:r>
+            <a:endParaRPr lang="en-US" altLang="ja-JP" dirty="0" smtClean="0"/>
+          </a:p>
+          <a:p>
+            <a:pPr marL="457200" lvl="1" indent="0">
+              <a:buNone/>
+            </a:pPr>
+            <a:r>
+              <a:rPr lang="en-US" altLang="ja-JP" dirty="0" err="1" smtClean="0"/>
+              <a:t>jsonDB</a:t>
+            </a:r>
+            <a:r>
+              <a:rPr lang="ja-JP" altLang="en-US" dirty="0" smtClean="0"/>
+              <a:t>を使うなら大体これで事足りると思われる。</a:t>
+            </a:r>
+            <a:endParaRPr lang="en-US" altLang="ja-JP" dirty="0" smtClean="0"/>
+          </a:p>
+          <a:p>
+            <a:pPr marL="457200" lvl="1" indent="0">
+              <a:buNone/>
+            </a:pPr>
+            <a:r>
+              <a:rPr kumimoji="1" lang="ja-JP" altLang="en-US" dirty="0" smtClean="0"/>
+              <a:t>しかし、大量データの処理は苦手っぽい</a:t>
+            </a:r>
+            <a:endParaRPr kumimoji="1" lang="ja-JP" altLang="en-US" dirty="0"/>
+          </a:p>
+        </p:txBody>
+      </p:sp>
+    </p:spTree>
+    <p:extLst>
+      <p:ext uri="{BB962C8B-B14F-4D97-AF65-F5344CB8AC3E}">
+        <p14:creationId xmlns:p14="http://schemas.microsoft.com/office/powerpoint/2010/main" val="2780607682"/>
+      </p:ext>
+    </p:extLst>
+  </p:cSld>
+  <p:clrMapOvr>
+    <a:masterClrMapping/>
+  </p:clrMapOvr>
+</p:sld>
+</file>
+
+<file path=ppt/slides/slide12.xml><?xml version="1.0" encoding="utf-8"?>
+<p:sld xmlns:a="http://schemas.openxmlformats.org/drawingml/2006/main" xmlns:r="http://schemas.openxmlformats.org/officeDocument/2006/relationships" xmlns:p="http://schemas.openxmlformats.org/presentationml/2006/main">
+  <p:cSld>
+    <p:spTree>
+      <p:nvGrpSpPr>
+        <p:cNvPr id="1" name=""/>
+        <p:cNvGrpSpPr/>
+        <p:nvPr/>
+      </p:nvGrpSpPr>
+      <p:grpSpPr>
+        <a:xfrm>
+          <a:off x="0" y="0"/>
+          <a:ext cx="0" cy="0"/>
+          <a:chOff x="0" y="0"/>
+          <a:chExt cx="0" cy="0"/>
+        </a:xfrm>
+      </p:grpSpPr>
+      <p:sp>
+        <p:nvSpPr>
+          <p:cNvPr id="2" name="タイトル 1"/>
+          <p:cNvSpPr>
+            <a:spLocks noGrp="1"/>
+          </p:cNvSpPr>
+          <p:nvPr>
+            <p:ph type="title"/>
+          </p:nvPr>
+        </p:nvSpPr>
+        <p:spPr/>
+        <p:txBody>
+          <a:bodyPr/>
+          <a:lstStyle/>
+          <a:p>
+            <a:pPr algn="l"/>
+            <a:r>
+              <a:rPr kumimoji="1" lang="ja-JP" altLang="en-US" dirty="0" smtClean="0"/>
+              <a:t>詳しくはソースで！</a:t>
+            </a:r>
+            <a:endParaRPr kumimoji="1" lang="ja-JP" altLang="en-US" dirty="0"/>
+          </a:p>
+        </p:txBody>
+      </p:sp>
+      <p:sp>
+        <p:nvSpPr>
+          <p:cNvPr id="3" name="コンテンツ プレースホルダー 2"/>
+          <p:cNvSpPr>
+            <a:spLocks noGrp="1"/>
+          </p:cNvSpPr>
+          <p:nvPr>
+            <p:ph idx="1"/>
+          </p:nvPr>
+        </p:nvSpPr>
+        <p:spPr/>
+        <p:txBody>
+          <a:bodyPr/>
+          <a:lstStyle/>
+          <a:p>
+            <a:r>
+              <a:rPr lang="en-US" altLang="ja-JP" dirty="0">
+                <a:hlinkClick r:id="rId2"/>
+              </a:rPr>
+              <a:t>https://github.com/YoshikazuOota/</a:t>
+            </a:r>
+            <a:r>
+              <a:rPr lang="en-US" altLang="ja-JP" dirty="0" smtClean="0">
+                <a:hlinkClick r:id="rId2"/>
+              </a:rPr>
+              <a:t>storeTest</a:t>
+            </a:r>
+            <a:endParaRPr lang="en-US" altLang="ja-JP" dirty="0" smtClean="0"/>
+          </a:p>
+          <a:p>
+            <a:endParaRPr kumimoji="1" lang="en-US" altLang="ja-JP" dirty="0"/>
+          </a:p>
+          <a:p>
+            <a:pPr marL="0" indent="0">
+              <a:buNone/>
+            </a:pPr>
+            <a:r>
+              <a:rPr lang="en-US" altLang="ja-JP" dirty="0" smtClean="0"/>
+              <a:t>* </a:t>
+            </a:r>
+            <a:r>
+              <a:rPr lang="en-US" altLang="ja-JP" dirty="0" err="1" smtClean="0"/>
+              <a:t>jsrel</a:t>
+            </a:r>
+            <a:r>
+              <a:rPr lang="ja-JP" altLang="en-US" dirty="0" smtClean="0"/>
+              <a:t>のベンチテストのみアプリを一度落とす必要があります。</a:t>
+            </a:r>
+            <a:r>
+              <a:rPr lang="en-US" altLang="ja-JP" dirty="0" smtClean="0"/>
+              <a:t> </a:t>
+            </a:r>
+            <a:r>
+              <a:rPr lang="ja-JP" altLang="en-US" dirty="0" smtClean="0"/>
+              <a:t>ごめんなさい。</a:t>
+            </a:r>
+            <a:endParaRPr kumimoji="1" lang="ja-JP" altLang="en-US" dirty="0"/>
+          </a:p>
+        </p:txBody>
+      </p:sp>
+    </p:spTree>
+    <p:extLst>
+      <p:ext uri="{BB962C8B-B14F-4D97-AF65-F5344CB8AC3E}">
+        <p14:creationId xmlns:p14="http://schemas.microsoft.com/office/powerpoint/2010/main" val="417937198"/>
+      </p:ext>
+    </p:extLst>
+  </p:cSld>
+  <p:clrMapOvr>
+    <a:masterClrMapping/>
+  </p:clrMapOvr>
+</p:sld>
+</file>
+
 <file path=ppt/slides/slide2.xml><?xml version="1.0" encoding="utf-8"?>
 <p:sld xmlns:a="http://schemas.openxmlformats.org/drawingml/2006/main" xmlns:r="http://schemas.openxmlformats.org/officeDocument/2006/relationships" xmlns:p="http://schemas.openxmlformats.org/presentationml/2006/main">
   <p:cSld>
@@ -4650,16 +5227,24 @@
             <a:pPr lvl="1"/>
             <a:r>
               <a:rPr lang="ja-JP" altLang="en-US" dirty="0" smtClean="0"/>
-              <a:t>基本オンメモリ駆動で、</a:t>
-            </a:r>
-            <a:r>
-              <a:rPr lang="en-US" altLang="ja-JP" dirty="0" smtClean="0"/>
-              <a:t>Store</a:t>
+              <a:t>基本オンメモリ駆動で</a:t>
             </a:r>
             <a:r>
               <a:rPr lang="ja-JP" altLang="en-US" dirty="0" smtClean="0"/>
-              <a:t>にも保存可能</a:t>
-            </a:r>
+              <a:t>、</a:t>
+            </a:r>
+            <a:r>
+              <a:rPr lang="ja-JP" altLang="en-US" dirty="0" smtClean="0"/>
+              <a:t>ファイル出力</a:t>
+            </a:r>
+            <a:r>
+              <a:rPr lang="ja-JP" altLang="en-US" dirty="0" smtClean="0"/>
+              <a:t>可能</a:t>
+            </a:r>
+            <a:endParaRPr lang="en-US" altLang="ja-JP" dirty="0" smtClean="0"/>
+          </a:p>
+          <a:p>
+            <a:pPr lvl="1"/>
             <a:endParaRPr lang="en-US" altLang="ja-JP" dirty="0" smtClean="0"/>
           </a:p>
           <a:p>
@@ -4798,15 +5383,15 @@
             <a:pPr lvl="1"/>
             <a:r>
               <a:rPr lang="ja-JP" altLang="en-US" dirty="0" smtClean="0"/>
-              <a:t>基本オンメモリ駆動で、</a:t>
-            </a:r>
-            <a:r>
-              <a:rPr lang="en-US" altLang="ja-JP" dirty="0" smtClean="0"/>
-              <a:t>Store</a:t>
+              <a:t>基本オンメモリ駆動で</a:t>
             </a:r>
             <a:r>
               <a:rPr lang="ja-JP" altLang="en-US" dirty="0" smtClean="0"/>
-              <a:t>にも保存可能</a:t>
+              <a:t>、</a:t>
+            </a:r>
+            <a:r>
+              <a:rPr lang="ja-JP" altLang="en-US" dirty="0" smtClean="0"/>
+              <a:t>ファイル出力可能</a:t>
             </a:r>
             <a:endParaRPr lang="en-US" altLang="ja-JP" dirty="0" smtClean="0"/>
           </a:p>
@@ -4814,8 +5399,16 @@
             <a:pPr lvl="1"/>
             <a:r>
               <a:rPr lang="ja-JP" altLang="en-US" dirty="0" smtClean="0"/>
-              <a:t>ユーザが多い</a:t>
-            </a:r>
+              <a:t>ユーザが</a:t>
+            </a:r>
+            <a:r>
+              <a:rPr lang="ja-JP" altLang="en-US" dirty="0" smtClean="0"/>
+              <a:t>多い</a:t>
+            </a:r>
+            <a:endParaRPr lang="en-US" altLang="ja-JP" dirty="0" smtClean="0"/>
+          </a:p>
+          <a:p>
+            <a:pPr lvl="1"/>
             <a:endParaRPr lang="en-US" altLang="ja-JP" dirty="0" smtClean="0"/>
           </a:p>
           <a:p>
@@ -4890,430 +5483,74 @@
           <a:p>
             <a:pPr algn="l"/>
             <a:r>
+              <a:rPr lang="ja-JP" altLang="en-US" dirty="0" smtClean="0"/>
+              <a:t>ベンチマーク条件</a:t>
+            </a:r>
+            <a:endParaRPr kumimoji="1" lang="ja-JP" altLang="en-US" dirty="0"/>
+          </a:p>
+        </p:txBody>
+      </p:sp>
+      <p:sp>
+        <p:nvSpPr>
+          <p:cNvPr id="3" name="コンテンツ プレースホルダー 2"/>
+          <p:cNvSpPr>
+            <a:spLocks noGrp="1"/>
+          </p:cNvSpPr>
+          <p:nvPr>
+            <p:ph idx="1"/>
+          </p:nvPr>
+        </p:nvSpPr>
+        <p:spPr/>
+        <p:txBody>
+          <a:bodyPr/>
+          <a:lstStyle/>
+          <a:p>
+            <a:pPr marL="514350" indent="-514350">
+              <a:buAutoNum type="arabicPeriod"/>
+            </a:pPr>
+            <a:r>
+              <a:rPr kumimoji="1" lang="en-US" altLang="ja-JP" dirty="0" smtClean="0"/>
+              <a:t>N </a:t>
+            </a:r>
+            <a:r>
               <a:rPr kumimoji="1" lang="ja-JP" altLang="en-US" dirty="0" smtClean="0"/>
-              <a:t>ベンチマーク結果</a:t>
+              <a:t>件のデータを書き込み</a:t>
             </a:r>
             <a:r>
               <a:rPr kumimoji="1" lang="en-US" altLang="ja-JP" dirty="0" smtClean="0"/>
-              <a:t> (write)</a:t>
-            </a:r>
-            <a:endParaRPr kumimoji="1" lang="ja-JP" altLang="en-US" dirty="0"/>
-          </a:p>
-        </p:txBody>
-      </p:sp>
-      <p:graphicFrame>
-        <p:nvGraphicFramePr>
-          <p:cNvPr id="8" name="グラフ 7"/>
-          <p:cNvGraphicFramePr>
-            <a:graphicFrameLocks/>
-          </p:cNvGraphicFramePr>
-          <p:nvPr/>
-        </p:nvGraphicFramePr>
-        <p:xfrm>
-          <a:off x="4718050" y="2044700"/>
-          <a:ext cx="4572000" cy="2743200"/>
-        </p:xfrm>
-        <a:graphic>
-          <a:graphicData uri="http://schemas.openxmlformats.org/drawingml/2006/chart">
-            <c:chart xmlns:c="http://schemas.openxmlformats.org/drawingml/2006/chart" xmlns:r="http://schemas.openxmlformats.org/officeDocument/2006/relationships" r:id="rId2"/>
-          </a:graphicData>
-        </a:graphic>
-      </p:graphicFrame>
-      <p:graphicFrame>
-        <p:nvGraphicFramePr>
-          <p:cNvPr id="9" name="グラフ 8"/>
-          <p:cNvGraphicFramePr>
-            <a:graphicFrameLocks/>
-          </p:cNvGraphicFramePr>
-          <p:nvPr>
-            <p:extLst>
-              <p:ext uri="{D42A27DB-BD31-4B8C-83A1-F6EECF244321}">
-                <p14:modId xmlns:p14="http://schemas.microsoft.com/office/powerpoint/2010/main" val="1007409149"/>
-              </p:ext>
-            </p:extLst>
-          </p:nvPr>
-        </p:nvGraphicFramePr>
-        <p:xfrm>
-          <a:off x="139370" y="2070100"/>
-          <a:ext cx="4572000" cy="2743200"/>
-        </p:xfrm>
-        <a:graphic>
-          <a:graphicData uri="http://schemas.openxmlformats.org/drawingml/2006/chart">
-            <c:chart xmlns:c="http://schemas.openxmlformats.org/drawingml/2006/chart" xmlns:r="http://schemas.openxmlformats.org/officeDocument/2006/relationships" r:id="rId3"/>
-          </a:graphicData>
-        </a:graphic>
-      </p:graphicFrame>
-      <p:sp>
-        <p:nvSpPr>
-          <p:cNvPr id="10" name="テキスト ボックス 9"/>
-          <p:cNvSpPr txBox="1"/>
-          <p:nvPr/>
-        </p:nvSpPr>
-        <p:spPr>
-          <a:xfrm>
-            <a:off x="1701252" y="1700768"/>
-            <a:ext cx="1043876" cy="369332"/>
-          </a:xfrm>
-          <a:prstGeom prst="rect">
-            <a:avLst/>
-          </a:prstGeom>
-          <a:noFill/>
-        </p:spPr>
-        <p:txBody>
-          <a:bodyPr wrap="none" rtlCol="0">
-            <a:spAutoFit/>
-          </a:bodyPr>
-          <a:lstStyle/>
-          <a:p>
-            <a:r>
-              <a:rPr kumimoji="1" lang="en-US" altLang="ja-JP" dirty="0" smtClean="0"/>
-              <a:t>iPhone5s</a:t>
-            </a:r>
-            <a:endParaRPr kumimoji="1" lang="ja-JP" altLang="en-US" dirty="0"/>
-          </a:p>
-        </p:txBody>
-      </p:sp>
-      <p:sp>
-        <p:nvSpPr>
-          <p:cNvPr id="11" name="テキスト ボックス 10"/>
-          <p:cNvSpPr txBox="1"/>
-          <p:nvPr/>
-        </p:nvSpPr>
-        <p:spPr>
-          <a:xfrm>
-            <a:off x="5912706" y="1700768"/>
-            <a:ext cx="1537200" cy="369332"/>
-          </a:xfrm>
-          <a:prstGeom prst="rect">
-            <a:avLst/>
-          </a:prstGeom>
-          <a:noFill/>
-        </p:spPr>
-        <p:txBody>
-          <a:bodyPr wrap="none" rtlCol="0">
-            <a:spAutoFit/>
-          </a:bodyPr>
-          <a:lstStyle/>
-          <a:p>
-            <a:r>
-              <a:rPr kumimoji="1" lang="en-US" altLang="ja-JP" dirty="0" smtClean="0"/>
-              <a:t>Nexus 5(2014)</a:t>
-            </a:r>
-            <a:endParaRPr kumimoji="1" lang="ja-JP" altLang="en-US" dirty="0"/>
-          </a:p>
-        </p:txBody>
-      </p:sp>
-      <p:sp>
-        <p:nvSpPr>
-          <p:cNvPr id="12" name="テキスト ボックス 11"/>
-          <p:cNvSpPr txBox="1"/>
-          <p:nvPr/>
-        </p:nvSpPr>
-        <p:spPr>
-          <a:xfrm>
-            <a:off x="841976" y="4751549"/>
-            <a:ext cx="535648" cy="369332"/>
-          </a:xfrm>
-          <a:prstGeom prst="rect">
-            <a:avLst/>
-          </a:prstGeom>
-          <a:noFill/>
-        </p:spPr>
-        <p:txBody>
-          <a:bodyPr wrap="none" rtlCol="0">
-            <a:spAutoFit/>
-          </a:bodyPr>
-          <a:lstStyle/>
-          <a:p>
-            <a:r>
-              <a:rPr kumimoji="1" lang="en-US" altLang="ja-JP" dirty="0" smtClean="0"/>
-              <a:t>100</a:t>
-            </a:r>
-            <a:endParaRPr kumimoji="1" lang="ja-JP" altLang="en-US" dirty="0"/>
-          </a:p>
-        </p:txBody>
-      </p:sp>
-      <p:sp>
-        <p:nvSpPr>
-          <p:cNvPr id="13" name="テキスト ボックス 12"/>
-          <p:cNvSpPr txBox="1"/>
-          <p:nvPr/>
-        </p:nvSpPr>
-        <p:spPr>
-          <a:xfrm>
-            <a:off x="1850636" y="4761259"/>
-            <a:ext cx="652643" cy="369332"/>
-          </a:xfrm>
-          <a:prstGeom prst="rect">
-            <a:avLst/>
-          </a:prstGeom>
-          <a:noFill/>
-        </p:spPr>
-        <p:txBody>
-          <a:bodyPr wrap="none" rtlCol="0">
-            <a:spAutoFit/>
-          </a:bodyPr>
-          <a:lstStyle/>
-          <a:p>
-            <a:r>
-              <a:rPr kumimoji="1" lang="en-US" altLang="ja-JP" dirty="0" smtClean="0"/>
-              <a:t>1000</a:t>
-            </a:r>
-            <a:endParaRPr kumimoji="1" lang="ja-JP" altLang="en-US" dirty="0"/>
-          </a:p>
-        </p:txBody>
-      </p:sp>
-      <p:sp>
-        <p:nvSpPr>
-          <p:cNvPr id="14" name="テキスト ボックス 13"/>
-          <p:cNvSpPr txBox="1"/>
-          <p:nvPr/>
-        </p:nvSpPr>
-        <p:spPr>
-          <a:xfrm>
-            <a:off x="2745128" y="4770969"/>
-            <a:ext cx="769637" cy="369332"/>
-          </a:xfrm>
-          <a:prstGeom prst="rect">
-            <a:avLst/>
-          </a:prstGeom>
-          <a:noFill/>
-        </p:spPr>
-        <p:txBody>
-          <a:bodyPr wrap="none" rtlCol="0">
-            <a:spAutoFit/>
-          </a:bodyPr>
-          <a:lstStyle/>
-          <a:p>
-            <a:r>
-              <a:rPr kumimoji="1" lang="en-US" altLang="ja-JP" dirty="0" smtClean="0"/>
-              <a:t>10000</a:t>
-            </a:r>
-            <a:endParaRPr kumimoji="1" lang="ja-JP" altLang="en-US" dirty="0"/>
-          </a:p>
-        </p:txBody>
-      </p:sp>
-      <p:sp>
-        <p:nvSpPr>
-          <p:cNvPr id="15" name="テキスト ボックス 14"/>
-          <p:cNvSpPr txBox="1"/>
-          <p:nvPr/>
-        </p:nvSpPr>
-        <p:spPr>
-          <a:xfrm>
-            <a:off x="5546754" y="4823009"/>
-            <a:ext cx="535648" cy="369332"/>
-          </a:xfrm>
-          <a:prstGeom prst="rect">
-            <a:avLst/>
-          </a:prstGeom>
-          <a:noFill/>
-        </p:spPr>
-        <p:txBody>
-          <a:bodyPr wrap="none" rtlCol="0">
-            <a:spAutoFit/>
-          </a:bodyPr>
-          <a:lstStyle/>
-          <a:p>
-            <a:r>
-              <a:rPr kumimoji="1" lang="en-US" altLang="ja-JP" dirty="0" smtClean="0"/>
-              <a:t>100</a:t>
-            </a:r>
-            <a:endParaRPr kumimoji="1" lang="ja-JP" altLang="en-US" dirty="0"/>
-          </a:p>
-        </p:txBody>
-      </p:sp>
-      <p:sp>
-        <p:nvSpPr>
-          <p:cNvPr id="16" name="テキスト ボックス 15"/>
-          <p:cNvSpPr txBox="1"/>
-          <p:nvPr/>
-        </p:nvSpPr>
-        <p:spPr>
-          <a:xfrm>
-            <a:off x="6555414" y="4832719"/>
-            <a:ext cx="652643" cy="369332"/>
-          </a:xfrm>
-          <a:prstGeom prst="rect">
-            <a:avLst/>
-          </a:prstGeom>
-          <a:noFill/>
-        </p:spPr>
-        <p:txBody>
-          <a:bodyPr wrap="none" rtlCol="0">
-            <a:spAutoFit/>
-          </a:bodyPr>
-          <a:lstStyle/>
-          <a:p>
-            <a:r>
-              <a:rPr kumimoji="1" lang="en-US" altLang="ja-JP" dirty="0" smtClean="0"/>
-              <a:t>1000</a:t>
-            </a:r>
-            <a:endParaRPr kumimoji="1" lang="ja-JP" altLang="en-US" dirty="0"/>
-          </a:p>
-        </p:txBody>
-      </p:sp>
-      <p:sp>
-        <p:nvSpPr>
-          <p:cNvPr id="17" name="テキスト ボックス 16"/>
-          <p:cNvSpPr txBox="1"/>
-          <p:nvPr/>
-        </p:nvSpPr>
-        <p:spPr>
-          <a:xfrm>
-            <a:off x="7449906" y="4842429"/>
-            <a:ext cx="769637" cy="369332"/>
-          </a:xfrm>
-          <a:prstGeom prst="rect">
-            <a:avLst/>
-          </a:prstGeom>
-          <a:noFill/>
-        </p:spPr>
-        <p:txBody>
-          <a:bodyPr wrap="none" rtlCol="0">
-            <a:spAutoFit/>
-          </a:bodyPr>
-          <a:lstStyle/>
-          <a:p>
-            <a:r>
-              <a:rPr kumimoji="1" lang="en-US" altLang="ja-JP" dirty="0" smtClean="0"/>
-              <a:t>10000</a:t>
-            </a:r>
-            <a:endParaRPr kumimoji="1" lang="ja-JP" altLang="en-US" dirty="0"/>
-          </a:p>
-        </p:txBody>
-      </p:sp>
-      <p:sp>
-        <p:nvSpPr>
-          <p:cNvPr id="18" name="テキスト ボックス 17"/>
-          <p:cNvSpPr txBox="1"/>
-          <p:nvPr/>
-        </p:nvSpPr>
-        <p:spPr>
-          <a:xfrm>
-            <a:off x="3514765" y="4751549"/>
-            <a:ext cx="646331" cy="369332"/>
-          </a:xfrm>
-          <a:prstGeom prst="rect">
-            <a:avLst/>
-          </a:prstGeom>
-          <a:noFill/>
-        </p:spPr>
-        <p:txBody>
-          <a:bodyPr wrap="none" rtlCol="0">
-            <a:spAutoFit/>
-          </a:bodyPr>
-          <a:lstStyle/>
-          <a:p>
-            <a:r>
-              <a:rPr kumimoji="1" lang="ja-JP" altLang="en-US" dirty="0" smtClean="0"/>
-              <a:t>件数</a:t>
-            </a:r>
-            <a:endParaRPr kumimoji="1" lang="ja-JP" altLang="en-US" dirty="0"/>
-          </a:p>
-        </p:txBody>
-      </p:sp>
-      <p:sp>
-        <p:nvSpPr>
-          <p:cNvPr id="19" name="テキスト ボックス 18"/>
-          <p:cNvSpPr txBox="1"/>
-          <p:nvPr/>
-        </p:nvSpPr>
-        <p:spPr>
-          <a:xfrm>
-            <a:off x="8219543" y="4852138"/>
-            <a:ext cx="646331" cy="369332"/>
-          </a:xfrm>
-          <a:prstGeom prst="rect">
-            <a:avLst/>
-          </a:prstGeom>
-          <a:noFill/>
-        </p:spPr>
-        <p:txBody>
-          <a:bodyPr wrap="none" rtlCol="0">
-            <a:spAutoFit/>
-          </a:bodyPr>
-          <a:lstStyle/>
-          <a:p>
-            <a:r>
-              <a:rPr kumimoji="1" lang="ja-JP" altLang="en-US" dirty="0" smtClean="0"/>
-              <a:t>件数</a:t>
-            </a:r>
-            <a:endParaRPr kumimoji="1" lang="ja-JP" altLang="en-US" dirty="0"/>
-          </a:p>
-        </p:txBody>
-      </p:sp>
-      <p:sp>
-        <p:nvSpPr>
-          <p:cNvPr id="20" name="テキスト ボックス 19"/>
-          <p:cNvSpPr txBox="1"/>
-          <p:nvPr/>
-        </p:nvSpPr>
-        <p:spPr>
-          <a:xfrm>
-            <a:off x="128821" y="1700768"/>
-            <a:ext cx="600908" cy="369332"/>
-          </a:xfrm>
-          <a:prstGeom prst="rect">
-            <a:avLst/>
-          </a:prstGeom>
-          <a:noFill/>
-        </p:spPr>
-        <p:txBody>
-          <a:bodyPr wrap="none" rtlCol="0">
-            <a:spAutoFit/>
-          </a:bodyPr>
-          <a:lstStyle/>
-          <a:p>
+              <a:t> </a:t>
+            </a:r>
             <a:r>
               <a:rPr lang="en-US" altLang="ja-JP" dirty="0" smtClean="0"/>
-              <a:t>[</a:t>
-            </a:r>
-            <a:r>
-              <a:rPr lang="en-US" altLang="ja-JP" dirty="0" err="1" smtClean="0"/>
-              <a:t>ms</a:t>
+              <a:t>-&gt; </a:t>
+            </a:r>
+            <a:r>
+              <a:rPr lang="ja-JP" altLang="en-US" dirty="0" smtClean="0"/>
+              <a:t>ファイル出力</a:t>
+            </a:r>
+            <a:endParaRPr lang="en-US" altLang="ja-JP" dirty="0" smtClean="0"/>
+          </a:p>
+          <a:p>
+            <a:pPr marL="514350" indent="-514350">
+              <a:buAutoNum type="arabicPeriod"/>
+            </a:pPr>
+            <a:endParaRPr kumimoji="1" lang="en-US" altLang="ja-JP" dirty="0"/>
+          </a:p>
+          <a:p>
+            <a:pPr marL="514350" indent="-514350">
+              <a:buAutoNum type="arabicPeriod"/>
+            </a:pPr>
+            <a:r>
+              <a:rPr lang="ja-JP" altLang="en-US" dirty="0" smtClean="0"/>
+              <a:t>ファイルからデータロード</a:t>
             </a:r>
             <a:r>
               <a:rPr lang="en-US" altLang="ja-JP" dirty="0" smtClean="0"/>
-              <a:t>]</a:t>
-            </a:r>
-            <a:endParaRPr kumimoji="1" lang="ja-JP" altLang="en-US" dirty="0"/>
-          </a:p>
-        </p:txBody>
-      </p:sp>
-      <p:sp>
-        <p:nvSpPr>
-          <p:cNvPr id="21" name="テキスト ボックス 20"/>
-          <p:cNvSpPr txBox="1"/>
-          <p:nvPr/>
-        </p:nvSpPr>
-        <p:spPr>
-          <a:xfrm>
-            <a:off x="4719969" y="1702114"/>
-            <a:ext cx="600908" cy="369332"/>
-          </a:xfrm>
-          <a:prstGeom prst="rect">
-            <a:avLst/>
-          </a:prstGeom>
-          <a:noFill/>
-        </p:spPr>
-        <p:txBody>
-          <a:bodyPr wrap="none" rtlCol="0">
-            <a:spAutoFit/>
-          </a:bodyPr>
-          <a:lstStyle/>
-          <a:p>
-            <a:r>
-              <a:rPr lang="en-US" altLang="ja-JP" dirty="0" smtClean="0"/>
-              <a:t>[</a:t>
-            </a:r>
-            <a:r>
-              <a:rPr lang="en-US" altLang="ja-JP" dirty="0" err="1" smtClean="0"/>
-              <a:t>ms</a:t>
-            </a:r>
-            <a:r>
-              <a:rPr lang="en-US" altLang="ja-JP" dirty="0" smtClean="0"/>
-              <a:t>]</a:t>
+              <a:t> -&gt; </a:t>
+            </a:r>
+            <a:r>
+              <a:rPr lang="ja-JP" altLang="en-US" dirty="0" smtClean="0"/>
+              <a:t>ソート</a:t>
             </a:r>
             <a:endParaRPr kumimoji="1" lang="ja-JP" altLang="en-US" dirty="0"/>
           </a:p>
@@ -5322,7 +5559,7 @@
     </p:spTree>
     <p:extLst>
       <p:ext uri="{BB962C8B-B14F-4D97-AF65-F5344CB8AC3E}">
-        <p14:creationId xmlns:p14="http://schemas.microsoft.com/office/powerpoint/2010/main" val="1966425192"/>
+        <p14:creationId xmlns:p14="http://schemas.microsoft.com/office/powerpoint/2010/main" val="744845682"/>
       </p:ext>
     </p:extLst>
   </p:cSld>
@@ -5371,12 +5608,54 @@
             </a:r>
             <a:r>
               <a:rPr kumimoji="1" lang="en-US" altLang="ja-JP" dirty="0" smtClean="0"/>
-              <a:t> (read)</a:t>
+              <a:t> (write)</a:t>
             </a:r>
             <a:endParaRPr kumimoji="1" lang="ja-JP" altLang="en-US" dirty="0"/>
           </a:p>
         </p:txBody>
       </p:sp>
+      <p:graphicFrame>
+        <p:nvGraphicFramePr>
+          <p:cNvPr id="8" name="グラフ 7"/>
+          <p:cNvGraphicFramePr>
+            <a:graphicFrameLocks/>
+          </p:cNvGraphicFramePr>
+          <p:nvPr/>
+        </p:nvGraphicFramePr>
+        <p:xfrm>
+          <a:off x="4718050" y="2044700"/>
+          <a:ext cx="4572000" cy="2743200"/>
+        </p:xfrm>
+        <a:graphic>
+          <a:graphicData uri="http://schemas.openxmlformats.org/drawingml/2006/chart">
+            <c:chart xmlns:c="http://schemas.openxmlformats.org/drawingml/2006/chart" xmlns:r="http://schemas.openxmlformats.org/officeDocument/2006/relationships" r:id="rId2"/>
+          </a:graphicData>
+        </a:graphic>
+      </p:graphicFrame>
+      <p:graphicFrame>
+        <p:nvGraphicFramePr>
+          <p:cNvPr id="9" name="グラフ 8"/>
+          <p:cNvGraphicFramePr>
+            <a:graphicFrameLocks/>
+          </p:cNvGraphicFramePr>
+          <p:nvPr>
+            <p:extLst>
+              <p:ext uri="{D42A27DB-BD31-4B8C-83A1-F6EECF244321}">
+                <p14:modId xmlns:p14="http://schemas.microsoft.com/office/powerpoint/2010/main" val="1007409149"/>
+              </p:ext>
+            </p:extLst>
+          </p:nvPr>
+        </p:nvGraphicFramePr>
+        <p:xfrm>
+          <a:off x="139370" y="2070100"/>
+          <a:ext cx="4572000" cy="2743200"/>
+        </p:xfrm>
+        <a:graphic>
+          <a:graphicData uri="http://schemas.openxmlformats.org/drawingml/2006/chart">
+            <c:chart xmlns:c="http://schemas.openxmlformats.org/drawingml/2006/chart" xmlns:r="http://schemas.openxmlformats.org/officeDocument/2006/relationships" r:id="rId3"/>
+          </a:graphicData>
+        </a:graphic>
+      </p:graphicFrame>
       <p:sp>
         <p:nvSpPr>
           <p:cNvPr id="10" name="テキスト ボックス 9"/>
@@ -5753,52 +6032,10 @@
           </a:p>
         </p:txBody>
       </p:sp>
-      <p:graphicFrame>
-        <p:nvGraphicFramePr>
-          <p:cNvPr id="22" name="グラフ 21"/>
-          <p:cNvGraphicFramePr>
-            <a:graphicFrameLocks/>
-          </p:cNvGraphicFramePr>
-          <p:nvPr/>
-        </p:nvGraphicFramePr>
-        <p:xfrm>
-          <a:off x="4692650" y="2044700"/>
-          <a:ext cx="4572000" cy="2743200"/>
-        </p:xfrm>
-        <a:graphic>
-          <a:graphicData uri="http://schemas.openxmlformats.org/drawingml/2006/chart">
-            <c:chart xmlns:c="http://schemas.openxmlformats.org/drawingml/2006/chart" xmlns:r="http://schemas.openxmlformats.org/officeDocument/2006/relationships" r:id="rId2"/>
-          </a:graphicData>
-        </a:graphic>
-      </p:graphicFrame>
-      <p:graphicFrame>
-        <p:nvGraphicFramePr>
-          <p:cNvPr id="23" name="グラフ 22"/>
-          <p:cNvGraphicFramePr>
-            <a:graphicFrameLocks/>
-          </p:cNvGraphicFramePr>
-          <p:nvPr>
-            <p:extLst>
-              <p:ext uri="{D42A27DB-BD31-4B8C-83A1-F6EECF244321}">
-                <p14:modId xmlns:p14="http://schemas.microsoft.com/office/powerpoint/2010/main" val="762087727"/>
-              </p:ext>
-            </p:extLst>
-          </p:nvPr>
-        </p:nvGraphicFramePr>
-        <p:xfrm>
-          <a:off x="207583" y="2070100"/>
-          <a:ext cx="4572000" cy="2743200"/>
-        </p:xfrm>
-        <a:graphic>
-          <a:graphicData uri="http://schemas.openxmlformats.org/drawingml/2006/chart">
-            <c:chart xmlns:c="http://schemas.openxmlformats.org/drawingml/2006/chart" xmlns:r="http://schemas.openxmlformats.org/officeDocument/2006/relationships" r:id="rId3"/>
-          </a:graphicData>
-        </a:graphic>
-      </p:graphicFrame>
     </p:spTree>
     <p:extLst>
       <p:ext uri="{BB962C8B-B14F-4D97-AF65-F5344CB8AC3E}">
-        <p14:creationId xmlns:p14="http://schemas.microsoft.com/office/powerpoint/2010/main" val="2404362355"/>
+        <p14:creationId xmlns:p14="http://schemas.microsoft.com/office/powerpoint/2010/main" val="1966425192"/>
       </p:ext>
     </p:extLst>
   </p:cSld>
@@ -5842,12 +6079,282 @@
           <a:p>
             <a:pPr algn="l"/>
             <a:r>
+              <a:rPr kumimoji="1" lang="ja-JP" altLang="en-US" dirty="0" smtClean="0"/>
+              <a:t>ベンチマーク結果</a:t>
+            </a:r>
+            <a:r>
               <a:rPr kumimoji="1" lang="en-US" altLang="ja-JP" dirty="0" smtClean="0"/>
-              <a:t>SQLite</a:t>
-            </a:r>
+              <a:t> (read)</a:t>
+            </a:r>
+            <a:endParaRPr kumimoji="1" lang="ja-JP" altLang="en-US" dirty="0"/>
+          </a:p>
+        </p:txBody>
+      </p:sp>
+      <p:sp>
+        <p:nvSpPr>
+          <p:cNvPr id="10" name="テキスト ボックス 9"/>
+          <p:cNvSpPr txBox="1"/>
+          <p:nvPr/>
+        </p:nvSpPr>
+        <p:spPr>
+          <a:xfrm>
+            <a:off x="1701252" y="1700768"/>
+            <a:ext cx="1043876" cy="369332"/>
+          </a:xfrm>
+          <a:prstGeom prst="rect">
+            <a:avLst/>
+          </a:prstGeom>
+          <a:noFill/>
+        </p:spPr>
+        <p:txBody>
+          <a:bodyPr wrap="none" rtlCol="0">
+            <a:spAutoFit/>
+          </a:bodyPr>
+          <a:lstStyle/>
+          <a:p>
+            <a:r>
+              <a:rPr kumimoji="1" lang="en-US" altLang="ja-JP" dirty="0" smtClean="0"/>
+              <a:t>iPhone5s</a:t>
+            </a:r>
+            <a:endParaRPr kumimoji="1" lang="ja-JP" altLang="en-US" dirty="0"/>
+          </a:p>
+        </p:txBody>
+      </p:sp>
+      <p:sp>
+        <p:nvSpPr>
+          <p:cNvPr id="11" name="テキスト ボックス 10"/>
+          <p:cNvSpPr txBox="1"/>
+          <p:nvPr/>
+        </p:nvSpPr>
+        <p:spPr>
+          <a:xfrm>
+            <a:off x="5912706" y="1700768"/>
+            <a:ext cx="1537200" cy="369332"/>
+          </a:xfrm>
+          <a:prstGeom prst="rect">
+            <a:avLst/>
+          </a:prstGeom>
+          <a:noFill/>
+        </p:spPr>
+        <p:txBody>
+          <a:bodyPr wrap="none" rtlCol="0">
+            <a:spAutoFit/>
+          </a:bodyPr>
+          <a:lstStyle/>
+          <a:p>
+            <a:r>
+              <a:rPr kumimoji="1" lang="en-US" altLang="ja-JP" dirty="0" smtClean="0"/>
+              <a:t>Nexus 5(2014)</a:t>
+            </a:r>
+            <a:endParaRPr kumimoji="1" lang="ja-JP" altLang="en-US" dirty="0"/>
+          </a:p>
+        </p:txBody>
+      </p:sp>
+      <p:sp>
+        <p:nvSpPr>
+          <p:cNvPr id="12" name="テキスト ボックス 11"/>
+          <p:cNvSpPr txBox="1"/>
+          <p:nvPr/>
+        </p:nvSpPr>
+        <p:spPr>
+          <a:xfrm>
+            <a:off x="841976" y="4751549"/>
+            <a:ext cx="535648" cy="369332"/>
+          </a:xfrm>
+          <a:prstGeom prst="rect">
+            <a:avLst/>
+          </a:prstGeom>
+          <a:noFill/>
+        </p:spPr>
+        <p:txBody>
+          <a:bodyPr wrap="none" rtlCol="0">
+            <a:spAutoFit/>
+          </a:bodyPr>
+          <a:lstStyle/>
+          <a:p>
+            <a:r>
+              <a:rPr kumimoji="1" lang="en-US" altLang="ja-JP" dirty="0" smtClean="0"/>
+              <a:t>100</a:t>
+            </a:r>
+            <a:endParaRPr kumimoji="1" lang="ja-JP" altLang="en-US" dirty="0"/>
+          </a:p>
+        </p:txBody>
+      </p:sp>
+      <p:sp>
+        <p:nvSpPr>
+          <p:cNvPr id="13" name="テキスト ボックス 12"/>
+          <p:cNvSpPr txBox="1"/>
+          <p:nvPr/>
+        </p:nvSpPr>
+        <p:spPr>
+          <a:xfrm>
+            <a:off x="1850636" y="4761259"/>
+            <a:ext cx="652643" cy="369332"/>
+          </a:xfrm>
+          <a:prstGeom prst="rect">
+            <a:avLst/>
+          </a:prstGeom>
+          <a:noFill/>
+        </p:spPr>
+        <p:txBody>
+          <a:bodyPr wrap="none" rtlCol="0">
+            <a:spAutoFit/>
+          </a:bodyPr>
+          <a:lstStyle/>
+          <a:p>
+            <a:r>
+              <a:rPr kumimoji="1" lang="en-US" altLang="ja-JP" dirty="0" smtClean="0"/>
+              <a:t>1000</a:t>
+            </a:r>
+            <a:endParaRPr kumimoji="1" lang="ja-JP" altLang="en-US" dirty="0"/>
+          </a:p>
+        </p:txBody>
+      </p:sp>
+      <p:sp>
+        <p:nvSpPr>
+          <p:cNvPr id="14" name="テキスト ボックス 13"/>
+          <p:cNvSpPr txBox="1"/>
+          <p:nvPr/>
+        </p:nvSpPr>
+        <p:spPr>
+          <a:xfrm>
+            <a:off x="2745128" y="4770969"/>
+            <a:ext cx="769637" cy="369332"/>
+          </a:xfrm>
+          <a:prstGeom prst="rect">
+            <a:avLst/>
+          </a:prstGeom>
+          <a:noFill/>
+        </p:spPr>
+        <p:txBody>
+          <a:bodyPr wrap="none" rtlCol="0">
+            <a:spAutoFit/>
+          </a:bodyPr>
+          <a:lstStyle/>
+          <a:p>
+            <a:r>
+              <a:rPr kumimoji="1" lang="en-US" altLang="ja-JP" dirty="0" smtClean="0"/>
+              <a:t>10000</a:t>
+            </a:r>
+            <a:endParaRPr kumimoji="1" lang="ja-JP" altLang="en-US" dirty="0"/>
+          </a:p>
+        </p:txBody>
+      </p:sp>
+      <p:sp>
+        <p:nvSpPr>
+          <p:cNvPr id="15" name="テキスト ボックス 14"/>
+          <p:cNvSpPr txBox="1"/>
+          <p:nvPr/>
+        </p:nvSpPr>
+        <p:spPr>
+          <a:xfrm>
+            <a:off x="5546754" y="4823009"/>
+            <a:ext cx="535648" cy="369332"/>
+          </a:xfrm>
+          <a:prstGeom prst="rect">
+            <a:avLst/>
+          </a:prstGeom>
+          <a:noFill/>
+        </p:spPr>
+        <p:txBody>
+          <a:bodyPr wrap="none" rtlCol="0">
+            <a:spAutoFit/>
+          </a:bodyPr>
+          <a:lstStyle/>
+          <a:p>
+            <a:r>
+              <a:rPr kumimoji="1" lang="en-US" altLang="ja-JP" dirty="0" smtClean="0"/>
+              <a:t>100</a:t>
+            </a:r>
+            <a:endParaRPr kumimoji="1" lang="ja-JP" altLang="en-US" dirty="0"/>
+          </a:p>
+        </p:txBody>
+      </p:sp>
+      <p:sp>
+        <p:nvSpPr>
+          <p:cNvPr id="16" name="テキスト ボックス 15"/>
+          <p:cNvSpPr txBox="1"/>
+          <p:nvPr/>
+        </p:nvSpPr>
+        <p:spPr>
+          <a:xfrm>
+            <a:off x="6555414" y="4832719"/>
+            <a:ext cx="652643" cy="369332"/>
+          </a:xfrm>
+          <a:prstGeom prst="rect">
+            <a:avLst/>
+          </a:prstGeom>
+          <a:noFill/>
+        </p:spPr>
+        <p:txBody>
+          <a:bodyPr wrap="none" rtlCol="0">
+            <a:spAutoFit/>
+          </a:bodyPr>
+          <a:lstStyle/>
+          <a:p>
+            <a:r>
+              <a:rPr kumimoji="1" lang="en-US" altLang="ja-JP" dirty="0" smtClean="0"/>
+              <a:t>1000</a:t>
+            </a:r>
+            <a:endParaRPr kumimoji="1" lang="ja-JP" altLang="en-US" dirty="0"/>
+          </a:p>
+        </p:txBody>
+      </p:sp>
+      <p:sp>
+        <p:nvSpPr>
+          <p:cNvPr id="17" name="テキスト ボックス 16"/>
+          <p:cNvSpPr txBox="1"/>
+          <p:nvPr/>
+        </p:nvSpPr>
+        <p:spPr>
+          <a:xfrm>
+            <a:off x="7449906" y="4842429"/>
+            <a:ext cx="769637" cy="369332"/>
+          </a:xfrm>
+          <a:prstGeom prst="rect">
+            <a:avLst/>
+          </a:prstGeom>
+          <a:noFill/>
+        </p:spPr>
+        <p:txBody>
+          <a:bodyPr wrap="none" rtlCol="0">
+            <a:spAutoFit/>
+          </a:bodyPr>
+          <a:lstStyle/>
+          <a:p>
+            <a:r>
+              <a:rPr kumimoji="1" lang="en-US" altLang="ja-JP" dirty="0" smtClean="0"/>
+              <a:t>10000</a:t>
+            </a:r>
+            <a:endParaRPr kumimoji="1" lang="ja-JP" altLang="en-US" dirty="0"/>
+          </a:p>
+        </p:txBody>
+      </p:sp>
+      <p:sp>
+        <p:nvSpPr>
+          <p:cNvPr id="18" name="テキスト ボックス 17"/>
+          <p:cNvSpPr txBox="1"/>
+          <p:nvPr/>
+        </p:nvSpPr>
+        <p:spPr>
+          <a:xfrm>
+            <a:off x="3514765" y="4751549"/>
+            <a:ext cx="646331" cy="369332"/>
+          </a:xfrm>
+          <a:prstGeom prst="rect">
+            <a:avLst/>
+          </a:prstGeom>
+          <a:noFill/>
+        </p:spPr>
+        <p:txBody>
+          <a:bodyPr wrap="none" rtlCol="0">
+            <a:spAutoFit/>
+          </a:bodyPr>
+          <a:lstStyle/>
+          <a:p>
             <a:r>
               <a:rPr kumimoji="1" lang="ja-JP" altLang="en-US" dirty="0" smtClean="0"/>
-              <a:t>の小技</a:t>
+              <a:t>件数</a:t>
             </a:r>
             <a:endParaRPr kumimoji="1" lang="ja-JP" altLang="en-US" dirty="0"/>
           </a:p>
@@ -5855,98 +6362,156 @@
       </p:sp>
       <p:sp>
         <p:nvSpPr>
-          <p:cNvPr id="3" name="コンテンツ プレースホルダー 2"/>
-          <p:cNvSpPr>
-            <a:spLocks noGrp="1"/>
-          </p:cNvSpPr>
-          <p:nvPr>
-            <p:ph idx="1"/>
-          </p:nvPr>
-        </p:nvSpPr>
-        <p:spPr/>
-        <p:txBody>
-          <a:bodyPr/>
+          <p:cNvPr id="19" name="テキスト ボックス 18"/>
+          <p:cNvSpPr txBox="1"/>
+          <p:nvPr/>
+        </p:nvSpPr>
+        <p:spPr>
+          <a:xfrm>
+            <a:off x="8219543" y="4852138"/>
+            <a:ext cx="646331" cy="369332"/>
+          </a:xfrm>
+          <a:prstGeom prst="rect">
+            <a:avLst/>
+          </a:prstGeom>
+          <a:noFill/>
+        </p:spPr>
+        <p:txBody>
+          <a:bodyPr wrap="none" rtlCol="0">
+            <a:spAutoFit/>
+          </a:bodyPr>
           <a:lstStyle/>
           <a:p>
             <a:r>
               <a:rPr kumimoji="1" lang="ja-JP" altLang="en-US" dirty="0" smtClean="0"/>
-              <a:t>通常は</a:t>
-            </a:r>
-            <a:r>
-              <a:rPr kumimoji="1" lang="en-US" altLang="ja-JP" dirty="0" smtClean="0"/>
-              <a:t>Insert</a:t>
-            </a:r>
-            <a:r>
-              <a:rPr kumimoji="1" lang="ja-JP" altLang="en-US" dirty="0" smtClean="0"/>
-              <a:t> 処理毎に</a:t>
-            </a:r>
-            <a:r>
-              <a:rPr kumimoji="1" lang="en-US" altLang="ja-JP" dirty="0" smtClean="0"/>
-              <a:t>DB</a:t>
-            </a:r>
-            <a:r>
-              <a:rPr kumimoji="1" lang="ja-JP" altLang="en-US" dirty="0" smtClean="0"/>
-              <a:t>の書き換えが発生するため、オンメモリの</a:t>
-            </a:r>
-            <a:r>
-              <a:rPr kumimoji="1" lang="en-US" altLang="ja-JP" dirty="0" err="1" smtClean="0"/>
-              <a:t>JsonDB</a:t>
-            </a:r>
-            <a:r>
-              <a:rPr kumimoji="1" lang="ja-JP" altLang="en-US" dirty="0" smtClean="0"/>
-              <a:t>系よりパフォーマンスが落ちる</a:t>
-            </a:r>
-            <a:endParaRPr kumimoji="1" lang="en-US" altLang="ja-JP" dirty="0" smtClean="0"/>
-          </a:p>
-          <a:p>
-            <a:r>
-              <a:rPr lang="ja-JP" altLang="en-US" dirty="0" smtClean="0"/>
-              <a:t>しかし、</a:t>
-            </a:r>
+              <a:t>件数</a:t>
+            </a:r>
+            <a:endParaRPr kumimoji="1" lang="ja-JP" altLang="en-US" dirty="0"/>
+          </a:p>
+        </p:txBody>
+      </p:sp>
+      <p:sp>
+        <p:nvSpPr>
+          <p:cNvPr id="20" name="テキスト ボックス 19"/>
+          <p:cNvSpPr txBox="1"/>
+          <p:nvPr/>
+        </p:nvSpPr>
+        <p:spPr>
+          <a:xfrm>
+            <a:off x="128821" y="1700768"/>
+            <a:ext cx="600908" cy="369332"/>
+          </a:xfrm>
+          <a:prstGeom prst="rect">
+            <a:avLst/>
+          </a:prstGeom>
+          <a:noFill/>
+        </p:spPr>
+        <p:txBody>
+          <a:bodyPr wrap="none" rtlCol="0">
+            <a:spAutoFit/>
+          </a:bodyPr>
+          <a:lstStyle/>
+          <a:p>
             <a:r>
               <a:rPr lang="en-US" altLang="ja-JP" dirty="0" smtClean="0"/>
-              <a:t> BEGIN-COMMIT</a:t>
-            </a:r>
-            <a:r>
-              <a:rPr lang="ja-JP" altLang="en-US" dirty="0" smtClean="0"/>
-              <a:t>を使うと</a:t>
-            </a:r>
-            <a:r>
-              <a:rPr lang="ja-JP" altLang="ja-JP" dirty="0"/>
-              <a:t> </a:t>
+              <a:t>[</a:t>
+            </a:r>
+            <a:r>
+              <a:rPr lang="en-US" altLang="ja-JP" dirty="0" err="1" smtClean="0"/>
+              <a:t>ms</a:t>
             </a:r>
             <a:r>
               <a:rPr lang="en-US" altLang="ja-JP" dirty="0" smtClean="0"/>
-              <a:t>DB</a:t>
-            </a:r>
-            <a:r>
-              <a:rPr lang="ja-JP" altLang="en-US" dirty="0" smtClean="0"/>
-              <a:t>への書き込みが一括で行われる</a:t>
-            </a:r>
+              <a:t>]</a:t>
+            </a:r>
+            <a:endParaRPr kumimoji="1" lang="ja-JP" altLang="en-US" dirty="0"/>
+          </a:p>
+        </p:txBody>
+      </p:sp>
+      <p:sp>
+        <p:nvSpPr>
+          <p:cNvPr id="21" name="テキスト ボックス 20"/>
+          <p:cNvSpPr txBox="1"/>
+          <p:nvPr/>
+        </p:nvSpPr>
+        <p:spPr>
+          <a:xfrm>
+            <a:off x="4719969" y="1702114"/>
+            <a:ext cx="600908" cy="369332"/>
+          </a:xfrm>
+          <a:prstGeom prst="rect">
+            <a:avLst/>
+          </a:prstGeom>
+          <a:noFill/>
+        </p:spPr>
+        <p:txBody>
+          <a:bodyPr wrap="none" rtlCol="0">
+            <a:spAutoFit/>
+          </a:bodyPr>
+          <a:lstStyle/>
+          <a:p>
             <a:r>
               <a:rPr lang="en-US" altLang="ja-JP" dirty="0" smtClean="0"/>
-              <a:t>(</a:t>
-            </a:r>
-            <a:r>
-              <a:rPr lang="ja-JP" altLang="en-US" dirty="0" smtClean="0"/>
-              <a:t>と思われる</a:t>
+              <a:t>[</a:t>
+            </a:r>
+            <a:r>
+              <a:rPr lang="en-US" altLang="ja-JP" dirty="0" err="1" smtClean="0"/>
+              <a:t>ms</a:t>
             </a:r>
             <a:r>
               <a:rPr lang="en-US" altLang="ja-JP" dirty="0" smtClean="0"/>
-              <a:t>)</a:t>
-            </a:r>
-            <a:r>
-              <a:rPr lang="ja-JP" altLang="en-US" dirty="0" smtClean="0"/>
-              <a:t>ので、高速に処理出来る</a:t>
+              <a:t>]</a:t>
             </a:r>
             <a:endParaRPr kumimoji="1" lang="ja-JP" altLang="en-US" dirty="0"/>
           </a:p>
         </p:txBody>
       </p:sp>
+      <p:graphicFrame>
+        <p:nvGraphicFramePr>
+          <p:cNvPr id="22" name="グラフ 21"/>
+          <p:cNvGraphicFramePr>
+            <a:graphicFrameLocks/>
+          </p:cNvGraphicFramePr>
+          <p:nvPr/>
+        </p:nvGraphicFramePr>
+        <p:xfrm>
+          <a:off x="4692650" y="2044700"/>
+          <a:ext cx="4572000" cy="2743200"/>
+        </p:xfrm>
+        <a:graphic>
+          <a:graphicData uri="http://schemas.openxmlformats.org/drawingml/2006/chart">
+            <c:chart xmlns:c="http://schemas.openxmlformats.org/drawingml/2006/chart" xmlns:r="http://schemas.openxmlformats.org/officeDocument/2006/relationships" r:id="rId2"/>
+          </a:graphicData>
+        </a:graphic>
+      </p:graphicFrame>
+      <p:graphicFrame>
+        <p:nvGraphicFramePr>
+          <p:cNvPr id="23" name="グラフ 22"/>
+          <p:cNvGraphicFramePr>
+            <a:graphicFrameLocks/>
+          </p:cNvGraphicFramePr>
+          <p:nvPr>
+            <p:extLst>
+              <p:ext uri="{D42A27DB-BD31-4B8C-83A1-F6EECF244321}">
+                <p14:modId xmlns:p14="http://schemas.microsoft.com/office/powerpoint/2010/main" val="762087727"/>
+              </p:ext>
+            </p:extLst>
+          </p:nvPr>
+        </p:nvGraphicFramePr>
+        <p:xfrm>
+          <a:off x="207583" y="2070100"/>
+          <a:ext cx="4572000" cy="2743200"/>
+        </p:xfrm>
+        <a:graphic>
+          <a:graphicData uri="http://schemas.openxmlformats.org/drawingml/2006/chart">
+            <c:chart xmlns:c="http://schemas.openxmlformats.org/drawingml/2006/chart" xmlns:r="http://schemas.openxmlformats.org/officeDocument/2006/relationships" r:id="rId3"/>
+          </a:graphicData>
+        </a:graphic>
+      </p:graphicFrame>
     </p:spTree>
     <p:extLst>
       <p:ext uri="{BB962C8B-B14F-4D97-AF65-F5344CB8AC3E}">
-        <p14:creationId xmlns:p14="http://schemas.microsoft.com/office/powerpoint/2010/main" val="1757809185"/>
+        <p14:creationId xmlns:p14="http://schemas.microsoft.com/office/powerpoint/2010/main" val="2404362355"/>
       </p:ext>
     </p:extLst>
   </p:cSld>
@@ -5990,8 +6555,12 @@
           <a:p>
             <a:pPr algn="l"/>
             <a:r>
+              <a:rPr kumimoji="1" lang="en-US" altLang="ja-JP" dirty="0" smtClean="0"/>
+              <a:t>SQLite</a:t>
+            </a:r>
+            <a:r>
               <a:rPr kumimoji="1" lang="ja-JP" altLang="en-US" dirty="0" smtClean="0"/>
-              <a:t>それぞれ使い分けの指針</a:t>
+              <a:t>の小技</a:t>
             </a:r>
             <a:endParaRPr kumimoji="1" lang="ja-JP" altLang="en-US" dirty="0"/>
           </a:p>
@@ -6009,103 +6578,79 @@
         </p:nvSpPr>
         <p:spPr/>
         <p:txBody>
-          <a:bodyPr>
-            <a:normAutofit fontScale="92500" lnSpcReduction="10000"/>
-          </a:bodyPr>
-          <a:lstStyle/>
-          <a:p>
+          <a:bodyPr/>
+          <a:lstStyle/>
+          <a:p>
+            <a:r>
+              <a:rPr kumimoji="1" lang="ja-JP" altLang="en-US" dirty="0" smtClean="0"/>
+              <a:t>通常は</a:t>
+            </a:r>
+            <a:r>
+              <a:rPr kumimoji="1" lang="en-US" altLang="ja-JP" dirty="0" smtClean="0"/>
+              <a:t>Insert</a:t>
+            </a:r>
+            <a:r>
+              <a:rPr kumimoji="1" lang="ja-JP" altLang="en-US" dirty="0" smtClean="0"/>
+              <a:t> 処理毎に</a:t>
+            </a:r>
+            <a:r>
+              <a:rPr kumimoji="1" lang="en-US" altLang="ja-JP" dirty="0" smtClean="0"/>
+              <a:t>DB</a:t>
+            </a:r>
+            <a:r>
+              <a:rPr kumimoji="1" lang="ja-JP" altLang="en-US" dirty="0" smtClean="0"/>
+              <a:t>の書き換えが発生するため、オンメモリの</a:t>
+            </a:r>
+            <a:r>
+              <a:rPr kumimoji="1" lang="en-US" altLang="ja-JP" dirty="0" err="1" smtClean="0"/>
+              <a:t>JsonDB</a:t>
+            </a:r>
+            <a:r>
+              <a:rPr kumimoji="1" lang="ja-JP" altLang="en-US" dirty="0" smtClean="0"/>
+              <a:t>系よりパフォーマンスが落ちる</a:t>
+            </a:r>
+            <a:endParaRPr kumimoji="1" lang="en-US" altLang="ja-JP" dirty="0" smtClean="0"/>
+          </a:p>
+          <a:p>
+            <a:r>
+              <a:rPr lang="ja-JP" altLang="en-US" dirty="0" smtClean="0"/>
+              <a:t>しかし、</a:t>
+            </a:r>
             <a:r>
               <a:rPr lang="en-US" altLang="ja-JP" dirty="0" smtClean="0"/>
-              <a:t>SQLite</a:t>
-            </a:r>
-          </a:p>
-          <a:p>
-            <a:pPr marL="457200" lvl="1" indent="0">
-              <a:buNone/>
-            </a:pPr>
+              <a:t> BEGIN-COMMIT</a:t>
+            </a:r>
             <a:r>
               <a:rPr lang="ja-JP" altLang="en-US" dirty="0" smtClean="0"/>
-              <a:t>特別な理由がなければ、おすすめ。データの永続化などを考える必要がなく、お手軽でソートが爆速</a:t>
-            </a:r>
-            <a:endParaRPr lang="en-US" altLang="ja-JP" dirty="0" smtClean="0"/>
-          </a:p>
-          <a:p>
-            <a:r>
-              <a:rPr lang="en-US" altLang="ja-JP" dirty="0" err="1" smtClean="0"/>
-              <a:t>jsrel</a:t>
-            </a:r>
-            <a:endParaRPr lang="en-US" altLang="ja-JP" dirty="0" smtClean="0"/>
-          </a:p>
-          <a:p>
-            <a:pPr marL="457200" lvl="1" indent="0">
-              <a:buNone/>
-            </a:pPr>
+              <a:t>を使うと</a:t>
+            </a:r>
+            <a:r>
+              <a:rPr lang="ja-JP" altLang="ja-JP" dirty="0"/>
+              <a:t> </a:t>
+            </a:r>
             <a:r>
               <a:rPr lang="en-US" altLang="ja-JP" dirty="0" smtClean="0"/>
-              <a:t>SQL</a:t>
+              <a:t>DB</a:t>
             </a:r>
             <a:r>
               <a:rPr lang="ja-JP" altLang="en-US" dirty="0" smtClean="0"/>
-              <a:t>的処理を</a:t>
-            </a:r>
-            <a:r>
-              <a:rPr lang="en-US" altLang="ja-JP" dirty="0" err="1" smtClean="0"/>
-              <a:t>JS</a:t>
+              <a:t>への書き込みが一括で行われる</a:t>
+            </a:r>
+            <a:r>
+              <a:rPr lang="en-US" altLang="ja-JP" dirty="0" smtClean="0"/>
+              <a:t>(</a:t>
             </a:r>
             <a:r>
               <a:rPr lang="ja-JP" altLang="en-US" dirty="0" smtClean="0"/>
-              <a:t>との親和性高く実行出来る。また、</a:t>
-            </a:r>
-            <a:r>
-              <a:rPr lang="en-US" altLang="ja-JP" dirty="0" err="1" smtClean="0"/>
-              <a:t>toSQL</a:t>
+              <a:t>と思われる</a:t>
             </a:r>
             <a:r>
               <a:rPr lang="en-US" altLang="ja-JP" dirty="0" smtClean="0"/>
-              <a:t>()</a:t>
+              <a:t>)</a:t>
             </a:r>
             <a:r>
               <a:rPr lang="ja-JP" altLang="en-US" dirty="0" smtClean="0"/>
-              <a:t>でデータを</a:t>
-            </a:r>
-            <a:r>
-              <a:rPr lang="en-US" altLang="ja-JP" dirty="0" smtClean="0"/>
-              <a:t>SQL</a:t>
-            </a:r>
-            <a:r>
-              <a:rPr lang="ja-JP" altLang="en-US" dirty="0" smtClean="0"/>
-              <a:t>出力出来る。しかし、初心者向きではない</a:t>
-            </a:r>
-            <a:endParaRPr kumimoji="1" lang="en-US" altLang="ja-JP" dirty="0"/>
-          </a:p>
-          <a:p>
-            <a:r>
-              <a:rPr lang="en-US" altLang="ja-JP" dirty="0" err="1" smtClean="0"/>
-              <a:t>taffyDB</a:t>
-            </a:r>
-            <a:endParaRPr lang="en-US" altLang="ja-JP" dirty="0" smtClean="0"/>
-          </a:p>
-          <a:p>
-            <a:pPr marL="457200" lvl="1" indent="0">
-              <a:buNone/>
-            </a:pPr>
-            <a:r>
-              <a:rPr lang="en-US" altLang="ja-JP" dirty="0" err="1" smtClean="0"/>
-              <a:t>jsonDB</a:t>
-            </a:r>
-            <a:r>
-              <a:rPr lang="ja-JP" altLang="en-US" dirty="0" smtClean="0"/>
-              <a:t>を使うなら大体これで事足りると思われる。</a:t>
-            </a:r>
-            <a:endParaRPr lang="en-US" altLang="ja-JP" dirty="0" smtClean="0"/>
-          </a:p>
-          <a:p>
-            <a:pPr marL="457200" lvl="1" indent="0">
-              <a:buNone/>
-            </a:pPr>
-            <a:r>
-              <a:rPr kumimoji="1" lang="ja-JP" altLang="en-US" dirty="0" smtClean="0"/>
-              <a:t>しかし、大量データの処理は苦手っぽい</a:t>
+              <a:t>ので、高速に処理出来る</a:t>
             </a:r>
             <a:endParaRPr kumimoji="1" lang="ja-JP" altLang="en-US" dirty="0"/>
           </a:p>
@@ -6114,7 +6659,7 @@
     </p:spTree>
     <p:extLst>
       <p:ext uri="{BB962C8B-B14F-4D97-AF65-F5344CB8AC3E}">
-        <p14:creationId xmlns:p14="http://schemas.microsoft.com/office/powerpoint/2010/main" val="2780607682"/>
+        <p14:creationId xmlns:p14="http://schemas.microsoft.com/office/powerpoint/2010/main" val="1757809185"/>
       </p:ext>
     </p:extLst>
   </p:cSld>
